--- a/TechnicalModel.pptx
+++ b/TechnicalModel.pptx
@@ -104,6 +104,11 @@
       </a:defRPr>
     </a:lvl9pPr>
   </p:defaultTextStyle>
+  <p:extLst>
+    <p:ext uri="{EFAFB233-063F-42B5-8137-9DF3F51BA10A}">
+      <p15:sldGuideLst xmlns:p15="http://schemas.microsoft.com/office/powerpoint/2012/main"/>
+    </p:ext>
+  </p:extLst>
 </p:presentation>
 </file>
 
@@ -2979,8 +2984,9 @@
             <a:avLst/>
           </a:prstGeom>
           <a:solidFill>
-            <a:schemeClr val="bg2">
+            <a:schemeClr val="tx1">
               <a:lumMod val="50000"/>
+              <a:lumOff val="50000"/>
             </a:schemeClr>
           </a:solidFill>
         </p:spPr>
@@ -3068,8 +3074,9 @@
             <a:avLst/>
           </a:prstGeom>
           <a:solidFill>
-            <a:schemeClr val="bg2">
+            <a:schemeClr val="tx1">
               <a:lumMod val="50000"/>
+              <a:lumOff val="50000"/>
             </a:schemeClr>
           </a:solidFill>
         </p:spPr>
@@ -3116,8 +3123,9 @@
             <a:avLst/>
           </a:prstGeom>
           <a:solidFill>
-            <a:schemeClr val="bg2">
+            <a:schemeClr val="tx1">
               <a:lumMod val="50000"/>
+              <a:lumOff val="50000"/>
             </a:schemeClr>
           </a:solidFill>
         </p:spPr>
@@ -3272,7 +3280,11 @@
             <a:pPr algn="ctr"/>
             <a:r>
               <a:rPr lang="en-US" dirty="0" smtClean="0"/>
-              <a:t>Features Extraction</a:t>
+              <a:t>Features </a:t>
+            </a:r>
+            <a:r>
+              <a:rPr lang="en-US" dirty="0"/>
+              <a:t>Extraction</a:t>
             </a:r>
             <a:endParaRPr lang="en-US" dirty="0"/>
           </a:p>
